--- a/2020/2月.pptx
+++ b/2020/2月.pptx
@@ -5,9 +5,14 @@
     <p:sldMasterId id="2147483660" r:id="rId1"/>
   </p:sldMasterIdLst>
   <p:sldIdLst>
-    <p:sldId id="258" r:id="rId2"/>
-    <p:sldId id="259" r:id="rId3"/>
-    <p:sldId id="260" r:id="rId4"/>
+    <p:sldId id="264" r:id="rId2"/>
+    <p:sldId id="265" r:id="rId3"/>
+    <p:sldId id="258" r:id="rId4"/>
+    <p:sldId id="259" r:id="rId5"/>
+    <p:sldId id="260" r:id="rId6"/>
+    <p:sldId id="261" r:id="rId7"/>
+    <p:sldId id="262" r:id="rId8"/>
+    <p:sldId id="263" r:id="rId9"/>
   </p:sldIdLst>
   <p:sldSz cx="12192000" cy="6858000"/>
   <p:notesSz cx="6858000" cy="9144000"/>
@@ -108,7 +113,7 @@
   </p:defaultTextStyle>
   <p:extLst>
     <p:ext uri="{EFAFB233-063F-42B5-8137-9DF3F51BA10A}">
-      <p15:sldGuideLst xmlns:p15="http://schemas.microsoft.com/office/powerpoint/2012/main"/>
+      <p15:sldGuideLst xmlns:p15="http://schemas.microsoft.com/office/powerpoint/2012/main" xmlns=""/>
     </p:ext>
   </p:extLst>
 </p:presentation>
@@ -295,7 +300,8 @@
           <a:p>
             <a:fld id="{95BF6A3C-AF30-4FEA-BF6E-AA5D3F138FFD}" type="datetimeFigureOut">
               <a:rPr lang="vi-VN" smtClean="0"/>
-              <a:t>03/01/2020</a:t>
+              <a:pPr/>
+              <a:t>23/02/2020</a:t>
             </a:fld>
             <a:endParaRPr lang="vi-VN"/>
           </a:p>
@@ -337,6 +343,7 @@
           <a:p>
             <a:fld id="{3CB676A7-1836-4EFD-89DA-06995BDA246A}" type="slidenum">
               <a:rPr lang="vi-VN" smtClean="0"/>
+              <a:pPr/>
               <a:t>‹#›</a:t>
             </a:fld>
             <a:endParaRPr lang="vi-VN"/>
@@ -346,7 +353,7 @@
     </p:spTree>
     <p:extLst>
       <p:ext uri="{BB962C8B-B14F-4D97-AF65-F5344CB8AC3E}">
-        <p14:creationId xmlns:p14="http://schemas.microsoft.com/office/powerpoint/2010/main" val="125211448"/>
+        <p14:creationId xmlns:p14="http://schemas.microsoft.com/office/powerpoint/2010/main" xmlns="" val="125211448"/>
       </p:ext>
     </p:extLst>
   </p:cSld>
@@ -465,7 +472,8 @@
           <a:p>
             <a:fld id="{95BF6A3C-AF30-4FEA-BF6E-AA5D3F138FFD}" type="datetimeFigureOut">
               <a:rPr lang="vi-VN" smtClean="0"/>
-              <a:t>03/01/2020</a:t>
+              <a:pPr/>
+              <a:t>23/02/2020</a:t>
             </a:fld>
             <a:endParaRPr lang="vi-VN"/>
           </a:p>
@@ -507,6 +515,7 @@
           <a:p>
             <a:fld id="{3CB676A7-1836-4EFD-89DA-06995BDA246A}" type="slidenum">
               <a:rPr lang="vi-VN" smtClean="0"/>
+              <a:pPr/>
               <a:t>‹#›</a:t>
             </a:fld>
             <a:endParaRPr lang="vi-VN"/>
@@ -516,7 +525,7 @@
     </p:spTree>
     <p:extLst>
       <p:ext uri="{BB962C8B-B14F-4D97-AF65-F5344CB8AC3E}">
-        <p14:creationId xmlns:p14="http://schemas.microsoft.com/office/powerpoint/2010/main" val="2258399963"/>
+        <p14:creationId xmlns:p14="http://schemas.microsoft.com/office/powerpoint/2010/main" xmlns="" val="2258399963"/>
       </p:ext>
     </p:extLst>
   </p:cSld>
@@ -645,7 +654,8 @@
           <a:p>
             <a:fld id="{95BF6A3C-AF30-4FEA-BF6E-AA5D3F138FFD}" type="datetimeFigureOut">
               <a:rPr lang="vi-VN" smtClean="0"/>
-              <a:t>03/01/2020</a:t>
+              <a:pPr/>
+              <a:t>23/02/2020</a:t>
             </a:fld>
             <a:endParaRPr lang="vi-VN"/>
           </a:p>
@@ -687,6 +697,7 @@
           <a:p>
             <a:fld id="{3CB676A7-1836-4EFD-89DA-06995BDA246A}" type="slidenum">
               <a:rPr lang="vi-VN" smtClean="0"/>
+              <a:pPr/>
               <a:t>‹#›</a:t>
             </a:fld>
             <a:endParaRPr lang="vi-VN"/>
@@ -696,7 +707,7 @@
     </p:spTree>
     <p:extLst>
       <p:ext uri="{BB962C8B-B14F-4D97-AF65-F5344CB8AC3E}">
-        <p14:creationId xmlns:p14="http://schemas.microsoft.com/office/powerpoint/2010/main" val="648400110"/>
+        <p14:creationId xmlns:p14="http://schemas.microsoft.com/office/powerpoint/2010/main" xmlns="" val="648400110"/>
       </p:ext>
     </p:extLst>
   </p:cSld>
@@ -815,7 +826,8 @@
           <a:p>
             <a:fld id="{95BF6A3C-AF30-4FEA-BF6E-AA5D3F138FFD}" type="datetimeFigureOut">
               <a:rPr lang="vi-VN" smtClean="0"/>
-              <a:t>03/01/2020</a:t>
+              <a:pPr/>
+              <a:t>23/02/2020</a:t>
             </a:fld>
             <a:endParaRPr lang="vi-VN"/>
           </a:p>
@@ -857,6 +869,7 @@
           <a:p>
             <a:fld id="{3CB676A7-1836-4EFD-89DA-06995BDA246A}" type="slidenum">
               <a:rPr lang="vi-VN" smtClean="0"/>
+              <a:pPr/>
               <a:t>‹#›</a:t>
             </a:fld>
             <a:endParaRPr lang="vi-VN"/>
@@ -866,7 +879,7 @@
     </p:spTree>
     <p:extLst>
       <p:ext uri="{BB962C8B-B14F-4D97-AF65-F5344CB8AC3E}">
-        <p14:creationId xmlns:p14="http://schemas.microsoft.com/office/powerpoint/2010/main" val="4078779629"/>
+        <p14:creationId xmlns:p14="http://schemas.microsoft.com/office/powerpoint/2010/main" xmlns="" val="4078779629"/>
       </p:ext>
     </p:extLst>
   </p:cSld>
@@ -1061,7 +1074,8 @@
           <a:p>
             <a:fld id="{95BF6A3C-AF30-4FEA-BF6E-AA5D3F138FFD}" type="datetimeFigureOut">
               <a:rPr lang="vi-VN" smtClean="0"/>
-              <a:t>03/01/2020</a:t>
+              <a:pPr/>
+              <a:t>23/02/2020</a:t>
             </a:fld>
             <a:endParaRPr lang="vi-VN"/>
           </a:p>
@@ -1103,6 +1117,7 @@
           <a:p>
             <a:fld id="{3CB676A7-1836-4EFD-89DA-06995BDA246A}" type="slidenum">
               <a:rPr lang="vi-VN" smtClean="0"/>
+              <a:pPr/>
               <a:t>‹#›</a:t>
             </a:fld>
             <a:endParaRPr lang="vi-VN"/>
@@ -1112,7 +1127,7 @@
     </p:spTree>
     <p:extLst>
       <p:ext uri="{BB962C8B-B14F-4D97-AF65-F5344CB8AC3E}">
-        <p14:creationId xmlns:p14="http://schemas.microsoft.com/office/powerpoint/2010/main" val="1390100529"/>
+        <p14:creationId xmlns:p14="http://schemas.microsoft.com/office/powerpoint/2010/main" xmlns="" val="1390100529"/>
       </p:ext>
     </p:extLst>
   </p:cSld>
@@ -1349,7 +1364,8 @@
           <a:p>
             <a:fld id="{95BF6A3C-AF30-4FEA-BF6E-AA5D3F138FFD}" type="datetimeFigureOut">
               <a:rPr lang="vi-VN" smtClean="0"/>
-              <a:t>03/01/2020</a:t>
+              <a:pPr/>
+              <a:t>23/02/2020</a:t>
             </a:fld>
             <a:endParaRPr lang="vi-VN"/>
           </a:p>
@@ -1391,6 +1407,7 @@
           <a:p>
             <a:fld id="{3CB676A7-1836-4EFD-89DA-06995BDA246A}" type="slidenum">
               <a:rPr lang="vi-VN" smtClean="0"/>
+              <a:pPr/>
               <a:t>‹#›</a:t>
             </a:fld>
             <a:endParaRPr lang="vi-VN"/>
@@ -1400,7 +1417,7 @@
     </p:spTree>
     <p:extLst>
       <p:ext uri="{BB962C8B-B14F-4D97-AF65-F5344CB8AC3E}">
-        <p14:creationId xmlns:p14="http://schemas.microsoft.com/office/powerpoint/2010/main" val="400115207"/>
+        <p14:creationId xmlns:p14="http://schemas.microsoft.com/office/powerpoint/2010/main" xmlns="" val="400115207"/>
       </p:ext>
     </p:extLst>
   </p:cSld>
@@ -1771,7 +1788,8 @@
           <a:p>
             <a:fld id="{95BF6A3C-AF30-4FEA-BF6E-AA5D3F138FFD}" type="datetimeFigureOut">
               <a:rPr lang="vi-VN" smtClean="0"/>
-              <a:t>03/01/2020</a:t>
+              <a:pPr/>
+              <a:t>23/02/2020</a:t>
             </a:fld>
             <a:endParaRPr lang="vi-VN"/>
           </a:p>
@@ -1813,6 +1831,7 @@
           <a:p>
             <a:fld id="{3CB676A7-1836-4EFD-89DA-06995BDA246A}" type="slidenum">
               <a:rPr lang="vi-VN" smtClean="0"/>
+              <a:pPr/>
               <a:t>‹#›</a:t>
             </a:fld>
             <a:endParaRPr lang="vi-VN"/>
@@ -1822,7 +1841,7 @@
     </p:spTree>
     <p:extLst>
       <p:ext uri="{BB962C8B-B14F-4D97-AF65-F5344CB8AC3E}">
-        <p14:creationId xmlns:p14="http://schemas.microsoft.com/office/powerpoint/2010/main" val="2468833818"/>
+        <p14:creationId xmlns:p14="http://schemas.microsoft.com/office/powerpoint/2010/main" xmlns="" val="2468833818"/>
       </p:ext>
     </p:extLst>
   </p:cSld>
@@ -1889,7 +1908,8 @@
           <a:p>
             <a:fld id="{95BF6A3C-AF30-4FEA-BF6E-AA5D3F138FFD}" type="datetimeFigureOut">
               <a:rPr lang="vi-VN" smtClean="0"/>
-              <a:t>03/01/2020</a:t>
+              <a:pPr/>
+              <a:t>23/02/2020</a:t>
             </a:fld>
             <a:endParaRPr lang="vi-VN"/>
           </a:p>
@@ -1931,6 +1951,7 @@
           <a:p>
             <a:fld id="{3CB676A7-1836-4EFD-89DA-06995BDA246A}" type="slidenum">
               <a:rPr lang="vi-VN" smtClean="0"/>
+              <a:pPr/>
               <a:t>‹#›</a:t>
             </a:fld>
             <a:endParaRPr lang="vi-VN"/>
@@ -1940,7 +1961,7 @@
     </p:spTree>
     <p:extLst>
       <p:ext uri="{BB962C8B-B14F-4D97-AF65-F5344CB8AC3E}">
-        <p14:creationId xmlns:p14="http://schemas.microsoft.com/office/powerpoint/2010/main" val="257413670"/>
+        <p14:creationId xmlns:p14="http://schemas.microsoft.com/office/powerpoint/2010/main" xmlns="" val="257413670"/>
       </p:ext>
     </p:extLst>
   </p:cSld>
@@ -1984,7 +2005,8 @@
           <a:p>
             <a:fld id="{95BF6A3C-AF30-4FEA-BF6E-AA5D3F138FFD}" type="datetimeFigureOut">
               <a:rPr lang="vi-VN" smtClean="0"/>
-              <a:t>03/01/2020</a:t>
+              <a:pPr/>
+              <a:t>23/02/2020</a:t>
             </a:fld>
             <a:endParaRPr lang="vi-VN"/>
           </a:p>
@@ -2026,6 +2048,7 @@
           <a:p>
             <a:fld id="{3CB676A7-1836-4EFD-89DA-06995BDA246A}" type="slidenum">
               <a:rPr lang="vi-VN" smtClean="0"/>
+              <a:pPr/>
               <a:t>‹#›</a:t>
             </a:fld>
             <a:endParaRPr lang="vi-VN"/>
@@ -2035,7 +2058,7 @@
     </p:spTree>
     <p:extLst>
       <p:ext uri="{BB962C8B-B14F-4D97-AF65-F5344CB8AC3E}">
-        <p14:creationId xmlns:p14="http://schemas.microsoft.com/office/powerpoint/2010/main" val="3474767663"/>
+        <p14:creationId xmlns:p14="http://schemas.microsoft.com/office/powerpoint/2010/main" xmlns="" val="3474767663"/>
       </p:ext>
     </p:extLst>
   </p:cSld>
@@ -2261,7 +2284,8 @@
           <a:p>
             <a:fld id="{95BF6A3C-AF30-4FEA-BF6E-AA5D3F138FFD}" type="datetimeFigureOut">
               <a:rPr lang="vi-VN" smtClean="0"/>
-              <a:t>03/01/2020</a:t>
+              <a:pPr/>
+              <a:t>23/02/2020</a:t>
             </a:fld>
             <a:endParaRPr lang="vi-VN"/>
           </a:p>
@@ -2303,6 +2327,7 @@
           <a:p>
             <a:fld id="{3CB676A7-1836-4EFD-89DA-06995BDA246A}" type="slidenum">
               <a:rPr lang="vi-VN" smtClean="0"/>
+              <a:pPr/>
               <a:t>‹#›</a:t>
             </a:fld>
             <a:endParaRPr lang="vi-VN"/>
@@ -2312,7 +2337,7 @@
     </p:spTree>
     <p:extLst>
       <p:ext uri="{BB962C8B-B14F-4D97-AF65-F5344CB8AC3E}">
-        <p14:creationId xmlns:p14="http://schemas.microsoft.com/office/powerpoint/2010/main" val="3946761048"/>
+        <p14:creationId xmlns:p14="http://schemas.microsoft.com/office/powerpoint/2010/main" xmlns="" val="3946761048"/>
       </p:ext>
     </p:extLst>
   </p:cSld>
@@ -2518,7 +2543,8 @@
           <a:p>
             <a:fld id="{95BF6A3C-AF30-4FEA-BF6E-AA5D3F138FFD}" type="datetimeFigureOut">
               <a:rPr lang="vi-VN" smtClean="0"/>
-              <a:t>03/01/2020</a:t>
+              <a:pPr/>
+              <a:t>23/02/2020</a:t>
             </a:fld>
             <a:endParaRPr lang="vi-VN"/>
           </a:p>
@@ -2560,6 +2586,7 @@
           <a:p>
             <a:fld id="{3CB676A7-1836-4EFD-89DA-06995BDA246A}" type="slidenum">
               <a:rPr lang="vi-VN" smtClean="0"/>
+              <a:pPr/>
               <a:t>‹#›</a:t>
             </a:fld>
             <a:endParaRPr lang="vi-VN"/>
@@ -2569,7 +2596,7 @@
     </p:spTree>
     <p:extLst>
       <p:ext uri="{BB962C8B-B14F-4D97-AF65-F5344CB8AC3E}">
-        <p14:creationId xmlns:p14="http://schemas.microsoft.com/office/powerpoint/2010/main" val="4161144182"/>
+        <p14:creationId xmlns:p14="http://schemas.microsoft.com/office/powerpoint/2010/main" xmlns="" val="4161144182"/>
       </p:ext>
     </p:extLst>
   </p:cSld>
@@ -2736,7 +2763,8 @@
           <a:p>
             <a:fld id="{95BF6A3C-AF30-4FEA-BF6E-AA5D3F138FFD}" type="datetimeFigureOut">
               <a:rPr lang="vi-VN" smtClean="0"/>
-              <a:t>03/01/2020</a:t>
+              <a:pPr/>
+              <a:t>23/02/2020</a:t>
             </a:fld>
             <a:endParaRPr lang="vi-VN"/>
           </a:p>
@@ -2814,6 +2842,7 @@
           <a:p>
             <a:fld id="{3CB676A7-1836-4EFD-89DA-06995BDA246A}" type="slidenum">
               <a:rPr lang="vi-VN" smtClean="0"/>
+              <a:pPr/>
               <a:t>‹#›</a:t>
             </a:fld>
             <a:endParaRPr lang="vi-VN"/>
@@ -2823,7 +2852,7 @@
     </p:spTree>
     <p:extLst>
       <p:ext uri="{BB962C8B-B14F-4D97-AF65-F5344CB8AC3E}">
-        <p14:creationId xmlns:p14="http://schemas.microsoft.com/office/powerpoint/2010/main" val="2531099263"/>
+        <p14:creationId xmlns:p14="http://schemas.microsoft.com/office/powerpoint/2010/main" xmlns="" val="2531099263"/>
       </p:ext>
     </p:extLst>
   </p:cSld>
@@ -3129,15 +3158,22 @@
           <a:lstStyle/>
           <a:p>
             <a:r>
-              <a:rPr lang="zh-TW" altLang="en-US" sz="4800" b="1" dirty="0">
-                <a:solidFill>
-                  <a:srgbClr val="002060"/>
-                </a:solidFill>
-                <a:latin typeface="Microsoft JhengHei" panose="020B0604030504040204" pitchFamily="34" charset="-120"/>
-                <a:ea typeface="Microsoft JhengHei" panose="020B0604030504040204" pitchFamily="34" charset="-120"/>
-              </a:rPr>
-              <a:t>亮晶燈</a:t>
-            </a:r>
+              <a:rPr lang="zh-CN" altLang="en-US" sz="4800" b="1" dirty="0">
+                <a:solidFill>
+                  <a:srgbClr val="660033"/>
+                </a:solidFill>
+                <a:latin typeface="微軟正黑體" pitchFamily="34" charset="-120"/>
+                <a:ea typeface="微軟正黑體" pitchFamily="34" charset="-120"/>
+              </a:rPr>
+              <a:t>願主愛圍繞您</a:t>
+            </a:r>
+            <a:endParaRPr lang="zh-TW" altLang="en-US" sz="4800" b="1" dirty="0">
+              <a:solidFill>
+                <a:srgbClr val="660033"/>
+              </a:solidFill>
+              <a:latin typeface="微軟正黑體" pitchFamily="34" charset="-120"/>
+              <a:ea typeface="微軟正黑體" pitchFamily="34" charset="-120"/>
+            </a:endParaRPr>
           </a:p>
         </p:txBody>
       </p:sp>
@@ -3151,12 +3187,7 @@
             <p:ph idx="1"/>
           </p:nvPr>
         </p:nvSpPr>
-        <p:spPr>
-          <a:xfrm>
-            <a:off x="0" y="1600201"/>
-            <a:ext cx="12192000" cy="4525963"/>
-          </a:xfrm>
-        </p:spPr>
+        <p:spPr/>
         <p:txBody>
           <a:bodyPr>
             <a:noAutofit/>
@@ -3169,21 +3200,19 @@
             <a:r>
               <a:rPr lang="zh-TW" altLang="en-US" sz="5400" b="1" dirty="0">
                 <a:solidFill>
-                  <a:srgbClr val="002060"/>
-                </a:solidFill>
-                <a:latin typeface="Microsoft JhengHei" panose="020B0604030504040204" pitchFamily="34" charset="-120"/>
-                <a:ea typeface="Microsoft JhengHei" panose="020B0604030504040204" pitchFamily="34" charset="-120"/>
-                <a:cs typeface="+mj-cs"/>
-              </a:rPr>
-              <a:t>我立志做耶穌的一盞亮晶燈</a:t>
+                  <a:srgbClr val="660033"/>
+                </a:solidFill>
+                <a:latin typeface="微軟正黑體" pitchFamily="34" charset="-120"/>
+                <a:ea typeface="微軟正黑體" pitchFamily="34" charset="-120"/>
+              </a:rPr>
+              <a:t>願天父上帝的慈愛</a:t>
             </a:r>
             <a:endParaRPr lang="en-US" altLang="zh-TW" sz="5400" b="1" dirty="0">
               <a:solidFill>
-                <a:srgbClr val="002060"/>
+                <a:srgbClr val="660033"/>
               </a:solidFill>
-              <a:latin typeface="Microsoft JhengHei" panose="020B0604030504040204" pitchFamily="34" charset="-120"/>
-              <a:ea typeface="Microsoft JhengHei" panose="020B0604030504040204" pitchFamily="34" charset="-120"/>
-              <a:cs typeface="+mj-cs"/>
+              <a:latin typeface="微軟正黑體" pitchFamily="34" charset="-120"/>
+              <a:ea typeface="微軟正黑體" pitchFamily="34" charset="-120"/>
             </a:endParaRPr>
           </a:p>
           <a:p>
@@ -3191,45 +3220,21 @@
               <a:buNone/>
             </a:pPr>
             <a:r>
-              <a:rPr lang="en-US" altLang="zh-TW" sz="2667" b="1" dirty="0">
-                <a:solidFill>
-                  <a:srgbClr val="002060"/>
-                </a:solidFill>
-                <a:latin typeface="Microsoft JhengHei" pitchFamily="34" charset="-120"/>
-                <a:ea typeface="Microsoft JhengHei" pitchFamily="34" charset="-120"/>
-              </a:rPr>
-              <a:t>(x2)</a:t>
-            </a:r>
-            <a:endParaRPr lang="en-US" altLang="zh-TW" sz="6400" b="1" dirty="0">
-              <a:solidFill>
-                <a:srgbClr val="002060"/>
-              </a:solidFill>
-              <a:latin typeface="Microsoft JhengHei" pitchFamily="34" charset="-120"/>
-              <a:ea typeface="Microsoft JhengHei" pitchFamily="34" charset="-120"/>
-            </a:endParaRPr>
-          </a:p>
-          <a:p>
-            <a:pPr algn="ctr">
-              <a:buNone/>
-            </a:pPr>
-            <a:r>
               <a:rPr lang="zh-TW" altLang="en-US" sz="5400" b="1" dirty="0">
                 <a:solidFill>
-                  <a:srgbClr val="002060"/>
-                </a:solidFill>
-                <a:latin typeface="Microsoft JhengHei" panose="020B0604030504040204" pitchFamily="34" charset="-120"/>
-                <a:ea typeface="Microsoft JhengHei" panose="020B0604030504040204" pitchFamily="34" charset="-120"/>
-                <a:cs typeface="+mj-cs"/>
-              </a:rPr>
-              <a:t>我對手 手 手要發光</a:t>
+                  <a:srgbClr val="660033"/>
+                </a:solidFill>
+                <a:latin typeface="微軟正黑體" pitchFamily="34" charset="-120"/>
+                <a:ea typeface="微軟正黑體" pitchFamily="34" charset="-120"/>
+              </a:rPr>
+              <a:t>常與您們同在</a:t>
             </a:r>
             <a:endParaRPr lang="en-US" altLang="zh-TW" sz="5400" b="1" dirty="0">
               <a:solidFill>
-                <a:srgbClr val="002060"/>
+                <a:srgbClr val="660033"/>
               </a:solidFill>
-              <a:latin typeface="Microsoft JhengHei" panose="020B0604030504040204" pitchFamily="34" charset="-120"/>
-              <a:ea typeface="Microsoft JhengHei" panose="020B0604030504040204" pitchFamily="34" charset="-120"/>
-              <a:cs typeface="+mj-cs"/>
+              <a:latin typeface="微軟正黑體" pitchFamily="34" charset="-120"/>
+              <a:ea typeface="微軟正黑體" pitchFamily="34" charset="-120"/>
             </a:endParaRPr>
           </a:p>
           <a:p>
@@ -3239,21 +3244,19 @@
             <a:r>
               <a:rPr lang="zh-TW" altLang="en-US" sz="5400" b="1" dirty="0">
                 <a:solidFill>
-                  <a:srgbClr val="002060"/>
-                </a:solidFill>
-                <a:latin typeface="Microsoft JhengHei" panose="020B0604030504040204" pitchFamily="34" charset="-120"/>
-                <a:ea typeface="Microsoft JhengHei" panose="020B0604030504040204" pitchFamily="34" charset="-120"/>
-                <a:cs typeface="+mj-cs"/>
-              </a:rPr>
-              <a:t>腳 腳 腳要發光</a:t>
+                  <a:srgbClr val="660033"/>
+                </a:solidFill>
+                <a:latin typeface="微軟正黑體" pitchFamily="34" charset="-120"/>
+                <a:ea typeface="微軟正黑體" pitchFamily="34" charset="-120"/>
+              </a:rPr>
+              <a:t>願平安恩惠天天加給您</a:t>
             </a:r>
             <a:endParaRPr lang="en-US" altLang="zh-TW" sz="5400" b="1" dirty="0">
               <a:solidFill>
-                <a:srgbClr val="002060"/>
+                <a:srgbClr val="660033"/>
               </a:solidFill>
-              <a:latin typeface="Microsoft JhengHei" panose="020B0604030504040204" pitchFamily="34" charset="-120"/>
-              <a:ea typeface="Microsoft JhengHei" panose="020B0604030504040204" pitchFamily="34" charset="-120"/>
-              <a:cs typeface="+mj-cs"/>
+              <a:latin typeface="微軟正黑體" pitchFamily="34" charset="-120"/>
+              <a:ea typeface="微軟正黑體" pitchFamily="34" charset="-120"/>
             </a:endParaRPr>
           </a:p>
           <a:p>
@@ -3263,35 +3266,12 @@
             <a:r>
               <a:rPr lang="zh-TW" altLang="en-US" sz="5400" b="1" dirty="0">
                 <a:solidFill>
-                  <a:srgbClr val="002060"/>
-                </a:solidFill>
-                <a:latin typeface="Microsoft JhengHei" panose="020B0604030504040204" pitchFamily="34" charset="-120"/>
-                <a:ea typeface="Microsoft JhengHei" panose="020B0604030504040204" pitchFamily="34" charset="-120"/>
-                <a:cs typeface="+mj-cs"/>
-              </a:rPr>
-              <a:t>口 口 口要發</a:t>
-            </a:r>
-            <a:r>
-              <a:rPr lang="zh-TW" altLang="en-US" sz="5400" b="1" dirty="0" smtClean="0">
-                <a:solidFill>
-                  <a:srgbClr val="002060"/>
-                </a:solidFill>
-                <a:latin typeface="Microsoft JhengHei" panose="020B0604030504040204" pitchFamily="34" charset="-120"/>
-                <a:ea typeface="Microsoft JhengHei" panose="020B0604030504040204" pitchFamily="34" charset="-120"/>
-                <a:cs typeface="+mj-cs"/>
-              </a:rPr>
-              <a:t>光  我</a:t>
-            </a:r>
-            <a:r>
-              <a:rPr lang="zh-TW" altLang="en-US" sz="5400" b="1" dirty="0">
-                <a:solidFill>
-                  <a:srgbClr val="002060"/>
-                </a:solidFill>
-                <a:latin typeface="Microsoft JhengHei" panose="020B0604030504040204" pitchFamily="34" charset="-120"/>
-                <a:ea typeface="Microsoft JhengHei" panose="020B0604030504040204" pitchFamily="34" charset="-120"/>
-                <a:cs typeface="+mj-cs"/>
-              </a:rPr>
-              <a:t>全身都發光</a:t>
+                  <a:srgbClr val="660033"/>
+                </a:solidFill>
+                <a:latin typeface="微軟正黑體" pitchFamily="34" charset="-120"/>
+                <a:ea typeface="微軟正黑體" pitchFamily="34" charset="-120"/>
+              </a:rPr>
+              <a:t>喜樂恩典圍繞您</a:t>
             </a:r>
           </a:p>
         </p:txBody>
@@ -3299,7 +3279,7 @@
     </p:spTree>
     <p:extLst>
       <p:ext uri="{BB962C8B-B14F-4D97-AF65-F5344CB8AC3E}">
-        <p14:creationId xmlns:p14="http://schemas.microsoft.com/office/powerpoint/2010/main" val="3326002970"/>
+        <p14:creationId xmlns:p14="http://schemas.microsoft.com/office/powerpoint/2010/main" xmlns="" val="3298208486"/>
       </p:ext>
     </p:extLst>
   </p:cSld>
@@ -3344,15 +3324,22 @@
           <a:lstStyle/>
           <a:p>
             <a:r>
-              <a:rPr lang="zh-TW" altLang="en-US" sz="4800" b="1" dirty="0">
-                <a:solidFill>
-                  <a:srgbClr val="002060"/>
-                </a:solidFill>
-                <a:latin typeface="Microsoft JhengHei" panose="020B0604030504040204" pitchFamily="34" charset="-120"/>
-                <a:ea typeface="Microsoft JhengHei" panose="020B0604030504040204" pitchFamily="34" charset="-120"/>
-              </a:rPr>
-              <a:t>亮晶燈</a:t>
-            </a:r>
+              <a:rPr lang="zh-CN" altLang="en-US" sz="4800" b="1" dirty="0">
+                <a:solidFill>
+                  <a:srgbClr val="660033"/>
+                </a:solidFill>
+                <a:latin typeface="微軟正黑體" pitchFamily="34" charset="-120"/>
+                <a:ea typeface="微軟正黑體" pitchFamily="34" charset="-120"/>
+              </a:rPr>
+              <a:t>願主愛圍繞您</a:t>
+            </a:r>
+            <a:endParaRPr lang="zh-TW" altLang="en-US" sz="4800" b="1" dirty="0">
+              <a:solidFill>
+                <a:srgbClr val="660033"/>
+              </a:solidFill>
+              <a:latin typeface="微軟正黑體" pitchFamily="34" charset="-120"/>
+              <a:ea typeface="微軟正黑體" pitchFamily="34" charset="-120"/>
+            </a:endParaRPr>
           </a:p>
         </p:txBody>
       </p:sp>
@@ -3366,12 +3353,7 @@
             <p:ph idx="1"/>
           </p:nvPr>
         </p:nvSpPr>
-        <p:spPr>
-          <a:xfrm>
-            <a:off x="0" y="1600201"/>
-            <a:ext cx="12192000" cy="4525963"/>
-          </a:xfrm>
-        </p:spPr>
+        <p:spPr/>
         <p:txBody>
           <a:bodyPr>
             <a:noAutofit/>
@@ -3384,21 +3366,19 @@
             <a:r>
               <a:rPr lang="zh-TW" altLang="en-US" sz="5400" b="1" dirty="0">
                 <a:solidFill>
-                  <a:srgbClr val="002060"/>
-                </a:solidFill>
-                <a:latin typeface="Microsoft JhengHei" panose="020B0604030504040204" pitchFamily="34" charset="-120"/>
-                <a:ea typeface="Microsoft JhengHei" panose="020B0604030504040204" pitchFamily="34" charset="-120"/>
-                <a:cs typeface="+mj-cs"/>
-              </a:rPr>
-              <a:t>祈求讓主的真理發光芒</a:t>
+                  <a:srgbClr val="660033"/>
+                </a:solidFill>
+                <a:latin typeface="微軟正黑體" pitchFamily="34" charset="-120"/>
+                <a:ea typeface="微軟正黑體" pitchFamily="34" charset="-120"/>
+              </a:rPr>
+              <a:t>願您每天快樂  身心愉快</a:t>
             </a:r>
             <a:endParaRPr lang="en-US" altLang="zh-TW" sz="5400" b="1" dirty="0">
               <a:solidFill>
-                <a:srgbClr val="002060"/>
+                <a:srgbClr val="660033"/>
               </a:solidFill>
-              <a:latin typeface="Microsoft JhengHei" panose="020B0604030504040204" pitchFamily="34" charset="-120"/>
-              <a:ea typeface="Microsoft JhengHei" panose="020B0604030504040204" pitchFamily="34" charset="-120"/>
-              <a:cs typeface="+mj-cs"/>
+              <a:latin typeface="微軟正黑體" pitchFamily="34" charset="-120"/>
+              <a:ea typeface="微軟正黑體" pitchFamily="34" charset="-120"/>
             </a:endParaRPr>
           </a:p>
           <a:p>
@@ -3408,21 +3388,19 @@
             <a:r>
               <a:rPr lang="zh-TW" altLang="en-US" sz="5400" b="1" dirty="0">
                 <a:solidFill>
-                  <a:srgbClr val="002060"/>
-                </a:solidFill>
-                <a:latin typeface="Microsoft JhengHei" panose="020B0604030504040204" pitchFamily="34" charset="-120"/>
-                <a:ea typeface="Microsoft JhengHei" panose="020B0604030504040204" pitchFamily="34" charset="-120"/>
-                <a:cs typeface="+mj-cs"/>
-              </a:rPr>
-              <a:t>在漆黑裡帶出新希望</a:t>
+                  <a:srgbClr val="660033"/>
+                </a:solidFill>
+                <a:latin typeface="微軟正黑體" pitchFamily="34" charset="-120"/>
+                <a:ea typeface="微軟正黑體" pitchFamily="34" charset="-120"/>
+              </a:rPr>
+              <a:t>健康與您常在</a:t>
             </a:r>
             <a:endParaRPr lang="en-US" altLang="zh-TW" sz="5400" b="1" dirty="0">
               <a:solidFill>
-                <a:srgbClr val="002060"/>
+                <a:srgbClr val="660033"/>
               </a:solidFill>
-              <a:latin typeface="Microsoft JhengHei" panose="020B0604030504040204" pitchFamily="34" charset="-120"/>
-              <a:ea typeface="Microsoft JhengHei" panose="020B0604030504040204" pitchFamily="34" charset="-120"/>
-              <a:cs typeface="+mj-cs"/>
+              <a:latin typeface="微軟正黑體" pitchFamily="34" charset="-120"/>
+              <a:ea typeface="微軟正黑體" pitchFamily="34" charset="-120"/>
             </a:endParaRPr>
           </a:p>
           <a:p>
@@ -3432,21 +3410,19 @@
             <a:r>
               <a:rPr lang="zh-TW" altLang="en-US" sz="5400" b="1" dirty="0">
                 <a:solidFill>
-                  <a:srgbClr val="002060"/>
-                </a:solidFill>
-                <a:latin typeface="Microsoft JhengHei" panose="020B0604030504040204" pitchFamily="34" charset="-120"/>
-                <a:ea typeface="Microsoft JhengHei" panose="020B0604030504040204" pitchFamily="34" charset="-120"/>
-                <a:cs typeface="+mj-cs"/>
-              </a:rPr>
-              <a:t>願世界上的人</a:t>
+                  <a:srgbClr val="660033"/>
+                </a:solidFill>
+                <a:latin typeface="微軟正黑體" pitchFamily="34" charset="-120"/>
+                <a:ea typeface="微軟正黑體" pitchFamily="34" charset="-120"/>
+              </a:rPr>
+              <a:t>祝福您  福杯滿溢</a:t>
             </a:r>
             <a:endParaRPr lang="en-US" altLang="zh-TW" sz="5400" b="1" dirty="0">
               <a:solidFill>
-                <a:srgbClr val="002060"/>
+                <a:srgbClr val="660033"/>
               </a:solidFill>
-              <a:latin typeface="Microsoft JhengHei" panose="020B0604030504040204" pitchFamily="34" charset="-120"/>
-              <a:ea typeface="Microsoft JhengHei" panose="020B0604030504040204" pitchFamily="34" charset="-120"/>
-              <a:cs typeface="+mj-cs"/>
+              <a:latin typeface="微軟正黑體" pitchFamily="34" charset="-120"/>
+              <a:ea typeface="微軟正黑體" pitchFamily="34" charset="-120"/>
             </a:endParaRPr>
           </a:p>
           <a:p>
@@ -3456,40 +3432,20 @@
             <a:r>
               <a:rPr lang="zh-TW" altLang="en-US" sz="5400" b="1" dirty="0">
                 <a:solidFill>
-                  <a:srgbClr val="002060"/>
-                </a:solidFill>
-                <a:latin typeface="Microsoft JhengHei" panose="020B0604030504040204" pitchFamily="34" charset="-120"/>
-                <a:ea typeface="Microsoft JhengHei" panose="020B0604030504040204" pitchFamily="34" charset="-120"/>
-                <a:cs typeface="+mj-cs"/>
-              </a:rPr>
-              <a:t>完全投入這光</a:t>
-            </a:r>
-            <a:r>
-              <a:rPr lang="en-US" altLang="zh-TW" sz="5400" b="1" dirty="0">
-                <a:solidFill>
-                  <a:srgbClr val="002060"/>
-                </a:solidFill>
-                <a:latin typeface="Microsoft JhengHei" panose="020B0604030504040204" pitchFamily="34" charset="-120"/>
-                <a:ea typeface="Microsoft JhengHei" panose="020B0604030504040204" pitchFamily="34" charset="-120"/>
-                <a:cs typeface="+mj-cs"/>
-              </a:rPr>
-              <a:t>Yeah</a:t>
-            </a:r>
-            <a:endParaRPr lang="zh-TW" altLang="en-US" sz="5400" b="1" dirty="0">
-              <a:solidFill>
-                <a:srgbClr val="002060"/>
-              </a:solidFill>
-              <a:latin typeface="Microsoft JhengHei" panose="020B0604030504040204" pitchFamily="34" charset="-120"/>
-              <a:ea typeface="Microsoft JhengHei" panose="020B0604030504040204" pitchFamily="34" charset="-120"/>
-              <a:cs typeface="+mj-cs"/>
-            </a:endParaRPr>
+                  <a:srgbClr val="660033"/>
+                </a:solidFill>
+                <a:latin typeface="微軟正黑體" pitchFamily="34" charset="-120"/>
+                <a:ea typeface="微軟正黑體" pitchFamily="34" charset="-120"/>
+              </a:rPr>
+              <a:t>耶穌永遠陪伴您</a:t>
+            </a:r>
           </a:p>
         </p:txBody>
       </p:sp>
     </p:spTree>
     <p:extLst>
       <p:ext uri="{BB962C8B-B14F-4D97-AF65-F5344CB8AC3E}">
-        <p14:creationId xmlns:p14="http://schemas.microsoft.com/office/powerpoint/2010/main" val="2572674596"/>
+        <p14:creationId xmlns:p14="http://schemas.microsoft.com/office/powerpoint/2010/main" xmlns="" val="195852714"/>
       </p:ext>
     </p:extLst>
   </p:cSld>
@@ -3518,6 +3474,425 @@
       </p:grpSpPr>
       <p:sp>
         <p:nvSpPr>
+          <p:cNvPr id="4" name="標題 3"/>
+          <p:cNvSpPr>
+            <a:spLocks noGrp="1"/>
+          </p:cNvSpPr>
+          <p:nvPr>
+            <p:ph type="title"/>
+          </p:nvPr>
+        </p:nvSpPr>
+        <p:spPr/>
+        <p:txBody>
+          <a:bodyPr>
+            <a:normAutofit/>
+          </a:bodyPr>
+          <a:lstStyle/>
+          <a:p>
+            <a:r>
+              <a:rPr lang="zh-TW" altLang="en-US" sz="4800" b="1" dirty="0">
+                <a:solidFill>
+                  <a:srgbClr val="002060"/>
+                </a:solidFill>
+                <a:latin typeface="Microsoft JhengHei" panose="020B0604030504040204" pitchFamily="34" charset="-120"/>
+                <a:ea typeface="Microsoft JhengHei" panose="020B0604030504040204" pitchFamily="34" charset="-120"/>
+              </a:rPr>
+              <a:t>亮晶燈</a:t>
+            </a:r>
+          </a:p>
+        </p:txBody>
+      </p:sp>
+      <p:sp>
+        <p:nvSpPr>
+          <p:cNvPr id="5" name="內容版面配置區 4"/>
+          <p:cNvSpPr>
+            <a:spLocks noGrp="1"/>
+          </p:cNvSpPr>
+          <p:nvPr>
+            <p:ph idx="1"/>
+          </p:nvPr>
+        </p:nvSpPr>
+        <p:spPr>
+          <a:xfrm>
+            <a:off x="0" y="1600201"/>
+            <a:ext cx="12192000" cy="4525963"/>
+          </a:xfrm>
+        </p:spPr>
+        <p:txBody>
+          <a:bodyPr>
+            <a:noAutofit/>
+          </a:bodyPr>
+          <a:lstStyle/>
+          <a:p>
+            <a:pPr algn="ctr">
+              <a:buNone/>
+            </a:pPr>
+            <a:r>
+              <a:rPr lang="zh-TW" altLang="en-US" sz="5400" b="1" dirty="0">
+                <a:solidFill>
+                  <a:srgbClr val="002060"/>
+                </a:solidFill>
+                <a:latin typeface="Microsoft JhengHei" panose="020B0604030504040204" pitchFamily="34" charset="-120"/>
+                <a:ea typeface="Microsoft JhengHei" panose="020B0604030504040204" pitchFamily="34" charset="-120"/>
+                <a:cs typeface="+mj-cs"/>
+              </a:rPr>
+              <a:t>我立志做耶穌的一盞亮晶燈</a:t>
+            </a:r>
+            <a:endParaRPr lang="en-US" altLang="zh-TW" sz="5400" b="1" dirty="0">
+              <a:solidFill>
+                <a:srgbClr val="002060"/>
+              </a:solidFill>
+              <a:latin typeface="Microsoft JhengHei" panose="020B0604030504040204" pitchFamily="34" charset="-120"/>
+              <a:ea typeface="Microsoft JhengHei" panose="020B0604030504040204" pitchFamily="34" charset="-120"/>
+              <a:cs typeface="+mj-cs"/>
+            </a:endParaRPr>
+          </a:p>
+          <a:p>
+            <a:pPr algn="ctr">
+              <a:buNone/>
+            </a:pPr>
+            <a:r>
+              <a:rPr lang="en-US" altLang="zh-TW" sz="2667" b="1" dirty="0">
+                <a:solidFill>
+                  <a:srgbClr val="002060"/>
+                </a:solidFill>
+                <a:latin typeface="Microsoft JhengHei" pitchFamily="34" charset="-120"/>
+                <a:ea typeface="Microsoft JhengHei" pitchFamily="34" charset="-120"/>
+              </a:rPr>
+              <a:t>(x2)</a:t>
+            </a:r>
+            <a:endParaRPr lang="en-US" altLang="zh-TW" sz="6400" b="1" dirty="0">
+              <a:solidFill>
+                <a:srgbClr val="002060"/>
+              </a:solidFill>
+              <a:latin typeface="Microsoft JhengHei" pitchFamily="34" charset="-120"/>
+              <a:ea typeface="Microsoft JhengHei" pitchFamily="34" charset="-120"/>
+            </a:endParaRPr>
+          </a:p>
+          <a:p>
+            <a:pPr algn="ctr">
+              <a:buNone/>
+            </a:pPr>
+            <a:r>
+              <a:rPr lang="zh-TW" altLang="en-US" sz="5400" b="1" dirty="0">
+                <a:solidFill>
+                  <a:srgbClr val="002060"/>
+                </a:solidFill>
+                <a:latin typeface="Microsoft JhengHei" panose="020B0604030504040204" pitchFamily="34" charset="-120"/>
+                <a:ea typeface="Microsoft JhengHei" panose="020B0604030504040204" pitchFamily="34" charset="-120"/>
+                <a:cs typeface="+mj-cs"/>
+              </a:rPr>
+              <a:t>我對手 手 手要發光</a:t>
+            </a:r>
+            <a:endParaRPr lang="en-US" altLang="zh-TW" sz="5400" b="1" dirty="0">
+              <a:solidFill>
+                <a:srgbClr val="002060"/>
+              </a:solidFill>
+              <a:latin typeface="Microsoft JhengHei" panose="020B0604030504040204" pitchFamily="34" charset="-120"/>
+              <a:ea typeface="Microsoft JhengHei" panose="020B0604030504040204" pitchFamily="34" charset="-120"/>
+              <a:cs typeface="+mj-cs"/>
+            </a:endParaRPr>
+          </a:p>
+          <a:p>
+            <a:pPr algn="ctr">
+              <a:buNone/>
+            </a:pPr>
+            <a:r>
+              <a:rPr lang="zh-TW" altLang="en-US" sz="5400" b="1" dirty="0">
+                <a:solidFill>
+                  <a:srgbClr val="002060"/>
+                </a:solidFill>
+                <a:latin typeface="Microsoft JhengHei" panose="020B0604030504040204" pitchFamily="34" charset="-120"/>
+                <a:ea typeface="Microsoft JhengHei" panose="020B0604030504040204" pitchFamily="34" charset="-120"/>
+                <a:cs typeface="+mj-cs"/>
+              </a:rPr>
+              <a:t>腳 腳 腳要發光</a:t>
+            </a:r>
+            <a:endParaRPr lang="en-US" altLang="zh-TW" sz="5400" b="1" dirty="0">
+              <a:solidFill>
+                <a:srgbClr val="002060"/>
+              </a:solidFill>
+              <a:latin typeface="Microsoft JhengHei" panose="020B0604030504040204" pitchFamily="34" charset="-120"/>
+              <a:ea typeface="Microsoft JhengHei" panose="020B0604030504040204" pitchFamily="34" charset="-120"/>
+              <a:cs typeface="+mj-cs"/>
+            </a:endParaRPr>
+          </a:p>
+          <a:p>
+            <a:pPr algn="ctr">
+              <a:buNone/>
+            </a:pPr>
+            <a:r>
+              <a:rPr lang="zh-TW" altLang="en-US" sz="5400" b="1" dirty="0">
+                <a:solidFill>
+                  <a:srgbClr val="002060"/>
+                </a:solidFill>
+                <a:latin typeface="Microsoft JhengHei" panose="020B0604030504040204" pitchFamily="34" charset="-120"/>
+                <a:ea typeface="Microsoft JhengHei" panose="020B0604030504040204" pitchFamily="34" charset="-120"/>
+                <a:cs typeface="+mj-cs"/>
+              </a:rPr>
+              <a:t>口 口 口要發</a:t>
+            </a:r>
+            <a:r>
+              <a:rPr lang="zh-TW" altLang="en-US" sz="5400" b="1" dirty="0" smtClean="0">
+                <a:solidFill>
+                  <a:srgbClr val="002060"/>
+                </a:solidFill>
+                <a:latin typeface="Microsoft JhengHei" panose="020B0604030504040204" pitchFamily="34" charset="-120"/>
+                <a:ea typeface="Microsoft JhengHei" panose="020B0604030504040204" pitchFamily="34" charset="-120"/>
+                <a:cs typeface="+mj-cs"/>
+              </a:rPr>
+              <a:t>光  我</a:t>
+            </a:r>
+            <a:r>
+              <a:rPr lang="zh-TW" altLang="en-US" sz="5400" b="1" dirty="0">
+                <a:solidFill>
+                  <a:srgbClr val="002060"/>
+                </a:solidFill>
+                <a:latin typeface="Microsoft JhengHei" panose="020B0604030504040204" pitchFamily="34" charset="-120"/>
+                <a:ea typeface="Microsoft JhengHei" panose="020B0604030504040204" pitchFamily="34" charset="-120"/>
+                <a:cs typeface="+mj-cs"/>
+              </a:rPr>
+              <a:t>全身都發光</a:t>
+            </a:r>
+          </a:p>
+        </p:txBody>
+      </p:sp>
+    </p:spTree>
+    <p:extLst>
+      <p:ext uri="{BB962C8B-B14F-4D97-AF65-F5344CB8AC3E}">
+        <p14:creationId xmlns:p14="http://schemas.microsoft.com/office/powerpoint/2010/main" xmlns="" val="3326002970"/>
+      </p:ext>
+    </p:extLst>
+  </p:cSld>
+  <p:clrMapOvr>
+    <a:masterClrMapping/>
+  </p:clrMapOvr>
+  <p:timing>
+    <p:tnLst>
+      <p:par>
+        <p:cTn id="1" dur="indefinite" restart="never" nodeType="tmRoot"/>
+      </p:par>
+    </p:tnLst>
+  </p:timing>
+</p:sld>
+</file>
+
+<file path=ppt/slides/slide4.xml><?xml version="1.0" encoding="utf-8"?>
+<p:sld xmlns:a="http://schemas.openxmlformats.org/drawingml/2006/main" xmlns:r="http://schemas.openxmlformats.org/officeDocument/2006/relationships" xmlns:p="http://schemas.openxmlformats.org/presentationml/2006/main">
+  <p:cSld>
+    <p:spTree>
+      <p:nvGrpSpPr>
+        <p:cNvPr id="1" name=""/>
+        <p:cNvGrpSpPr/>
+        <p:nvPr/>
+      </p:nvGrpSpPr>
+      <p:grpSpPr>
+        <a:xfrm>
+          <a:off x="0" y="0"/>
+          <a:ext cx="0" cy="0"/>
+          <a:chOff x="0" y="0"/>
+          <a:chExt cx="0" cy="0"/>
+        </a:xfrm>
+      </p:grpSpPr>
+      <p:sp>
+        <p:nvSpPr>
+          <p:cNvPr id="4" name="標題 3"/>
+          <p:cNvSpPr>
+            <a:spLocks noGrp="1"/>
+          </p:cNvSpPr>
+          <p:nvPr>
+            <p:ph type="title"/>
+          </p:nvPr>
+        </p:nvSpPr>
+        <p:spPr/>
+        <p:txBody>
+          <a:bodyPr>
+            <a:normAutofit/>
+          </a:bodyPr>
+          <a:lstStyle/>
+          <a:p>
+            <a:r>
+              <a:rPr lang="zh-TW" altLang="en-US" sz="4800" b="1" dirty="0">
+                <a:solidFill>
+                  <a:srgbClr val="002060"/>
+                </a:solidFill>
+                <a:latin typeface="Microsoft JhengHei" panose="020B0604030504040204" pitchFamily="34" charset="-120"/>
+                <a:ea typeface="Microsoft JhengHei" panose="020B0604030504040204" pitchFamily="34" charset="-120"/>
+              </a:rPr>
+              <a:t>亮晶燈</a:t>
+            </a:r>
+          </a:p>
+        </p:txBody>
+      </p:sp>
+      <p:sp>
+        <p:nvSpPr>
+          <p:cNvPr id="5" name="內容版面配置區 4"/>
+          <p:cNvSpPr>
+            <a:spLocks noGrp="1"/>
+          </p:cNvSpPr>
+          <p:nvPr>
+            <p:ph idx="1"/>
+          </p:nvPr>
+        </p:nvSpPr>
+        <p:spPr>
+          <a:xfrm>
+            <a:off x="0" y="1600201"/>
+            <a:ext cx="12192000" cy="4525963"/>
+          </a:xfrm>
+        </p:spPr>
+        <p:txBody>
+          <a:bodyPr>
+            <a:noAutofit/>
+          </a:bodyPr>
+          <a:lstStyle/>
+          <a:p>
+            <a:pPr algn="ctr">
+              <a:buNone/>
+            </a:pPr>
+            <a:r>
+              <a:rPr lang="zh-TW" altLang="en-US" sz="5400" b="1" dirty="0">
+                <a:solidFill>
+                  <a:srgbClr val="002060"/>
+                </a:solidFill>
+                <a:latin typeface="Microsoft JhengHei" panose="020B0604030504040204" pitchFamily="34" charset="-120"/>
+                <a:ea typeface="Microsoft JhengHei" panose="020B0604030504040204" pitchFamily="34" charset="-120"/>
+                <a:cs typeface="+mj-cs"/>
+              </a:rPr>
+              <a:t>祈求讓主的真理發光芒</a:t>
+            </a:r>
+            <a:endParaRPr lang="en-US" altLang="zh-TW" sz="5400" b="1" dirty="0">
+              <a:solidFill>
+                <a:srgbClr val="002060"/>
+              </a:solidFill>
+              <a:latin typeface="Microsoft JhengHei" panose="020B0604030504040204" pitchFamily="34" charset="-120"/>
+              <a:ea typeface="Microsoft JhengHei" panose="020B0604030504040204" pitchFamily="34" charset="-120"/>
+              <a:cs typeface="+mj-cs"/>
+            </a:endParaRPr>
+          </a:p>
+          <a:p>
+            <a:pPr algn="ctr">
+              <a:buNone/>
+            </a:pPr>
+            <a:r>
+              <a:rPr lang="zh-TW" altLang="en-US" sz="5400" b="1" dirty="0">
+                <a:solidFill>
+                  <a:srgbClr val="002060"/>
+                </a:solidFill>
+                <a:latin typeface="Microsoft JhengHei" panose="020B0604030504040204" pitchFamily="34" charset="-120"/>
+                <a:ea typeface="Microsoft JhengHei" panose="020B0604030504040204" pitchFamily="34" charset="-120"/>
+                <a:cs typeface="+mj-cs"/>
+              </a:rPr>
+              <a:t>在漆黑裡帶出新希望</a:t>
+            </a:r>
+            <a:endParaRPr lang="en-US" altLang="zh-TW" sz="5400" b="1" dirty="0">
+              <a:solidFill>
+                <a:srgbClr val="002060"/>
+              </a:solidFill>
+              <a:latin typeface="Microsoft JhengHei" panose="020B0604030504040204" pitchFamily="34" charset="-120"/>
+              <a:ea typeface="Microsoft JhengHei" panose="020B0604030504040204" pitchFamily="34" charset="-120"/>
+              <a:cs typeface="+mj-cs"/>
+            </a:endParaRPr>
+          </a:p>
+          <a:p>
+            <a:pPr algn="ctr">
+              <a:buNone/>
+            </a:pPr>
+            <a:r>
+              <a:rPr lang="zh-TW" altLang="en-US" sz="5400" b="1" dirty="0">
+                <a:solidFill>
+                  <a:srgbClr val="002060"/>
+                </a:solidFill>
+                <a:latin typeface="Microsoft JhengHei" panose="020B0604030504040204" pitchFamily="34" charset="-120"/>
+                <a:ea typeface="Microsoft JhengHei" panose="020B0604030504040204" pitchFamily="34" charset="-120"/>
+                <a:cs typeface="+mj-cs"/>
+              </a:rPr>
+              <a:t>願世界上的人</a:t>
+            </a:r>
+            <a:endParaRPr lang="en-US" altLang="zh-TW" sz="5400" b="1" dirty="0">
+              <a:solidFill>
+                <a:srgbClr val="002060"/>
+              </a:solidFill>
+              <a:latin typeface="Microsoft JhengHei" panose="020B0604030504040204" pitchFamily="34" charset="-120"/>
+              <a:ea typeface="Microsoft JhengHei" panose="020B0604030504040204" pitchFamily="34" charset="-120"/>
+              <a:cs typeface="+mj-cs"/>
+            </a:endParaRPr>
+          </a:p>
+          <a:p>
+            <a:pPr algn="ctr">
+              <a:buNone/>
+            </a:pPr>
+            <a:r>
+              <a:rPr lang="zh-TW" altLang="en-US" sz="5400" b="1" dirty="0">
+                <a:solidFill>
+                  <a:srgbClr val="002060"/>
+                </a:solidFill>
+                <a:latin typeface="Microsoft JhengHei" panose="020B0604030504040204" pitchFamily="34" charset="-120"/>
+                <a:ea typeface="Microsoft JhengHei" panose="020B0604030504040204" pitchFamily="34" charset="-120"/>
+                <a:cs typeface="+mj-cs"/>
+              </a:rPr>
+              <a:t>完全投入這光</a:t>
+            </a:r>
+            <a:r>
+              <a:rPr lang="en-US" altLang="zh-TW" sz="5400" b="1" dirty="0">
+                <a:solidFill>
+                  <a:srgbClr val="002060"/>
+                </a:solidFill>
+                <a:latin typeface="Microsoft JhengHei" panose="020B0604030504040204" pitchFamily="34" charset="-120"/>
+                <a:ea typeface="Microsoft JhengHei" panose="020B0604030504040204" pitchFamily="34" charset="-120"/>
+                <a:cs typeface="+mj-cs"/>
+              </a:rPr>
+              <a:t>Yeah</a:t>
+            </a:r>
+            <a:endParaRPr lang="zh-TW" altLang="en-US" sz="5400" b="1" dirty="0">
+              <a:solidFill>
+                <a:srgbClr val="002060"/>
+              </a:solidFill>
+              <a:latin typeface="Microsoft JhengHei" panose="020B0604030504040204" pitchFamily="34" charset="-120"/>
+              <a:ea typeface="Microsoft JhengHei" panose="020B0604030504040204" pitchFamily="34" charset="-120"/>
+              <a:cs typeface="+mj-cs"/>
+            </a:endParaRPr>
+          </a:p>
+        </p:txBody>
+      </p:sp>
+    </p:spTree>
+    <p:extLst>
+      <p:ext uri="{BB962C8B-B14F-4D97-AF65-F5344CB8AC3E}">
+        <p14:creationId xmlns:p14="http://schemas.microsoft.com/office/powerpoint/2010/main" xmlns="" val="2572674596"/>
+      </p:ext>
+    </p:extLst>
+  </p:cSld>
+  <p:clrMapOvr>
+    <a:masterClrMapping/>
+  </p:clrMapOvr>
+  <p:timing>
+    <p:tnLst>
+      <p:par>
+        <p:cTn id="1" dur="indefinite" restart="never" nodeType="tmRoot"/>
+      </p:par>
+    </p:tnLst>
+  </p:timing>
+</p:sld>
+</file>
+
+<file path=ppt/slides/slide5.xml><?xml version="1.0" encoding="utf-8"?>
+<p:sld xmlns:a="http://schemas.openxmlformats.org/drawingml/2006/main" xmlns:r="http://schemas.openxmlformats.org/officeDocument/2006/relationships" xmlns:p="http://schemas.openxmlformats.org/presentationml/2006/main">
+  <p:cSld>
+    <p:spTree>
+      <p:nvGrpSpPr>
+        <p:cNvPr id="1" name=""/>
+        <p:cNvGrpSpPr/>
+        <p:nvPr/>
+      </p:nvGrpSpPr>
+      <p:grpSpPr>
+        <a:xfrm>
+          <a:off x="0" y="0"/>
+          <a:ext cx="0" cy="0"/>
+          <a:chOff x="0" y="0"/>
+          <a:chExt cx="0" cy="0"/>
+        </a:xfrm>
+      </p:grpSpPr>
+      <p:sp>
+        <p:nvSpPr>
           <p:cNvPr id="2" name="Title 1"/>
           <p:cNvSpPr>
             <a:spLocks noGrp="1"/>
@@ -3581,7 +3956,29 @@
                 <a:ea typeface="Microsoft JhengHei" panose="020B0604030504040204" pitchFamily="34" charset="-120"/>
                 <a:cs typeface="+mj-cs"/>
               </a:rPr>
-              <a:t>聽聽聽聽  用心聽住教導</a:t>
+              <a:t>聽聽聽聽  </a:t>
+            </a:r>
+            <a:r>
+              <a:rPr lang="zh-CN" altLang="en-US" sz="5400" b="1">
+                <a:solidFill>
+                  <a:srgbClr val="C00000"/>
+                </a:solidFill>
+                <a:latin typeface="Microsoft JhengHei" panose="020B0604030504040204" pitchFamily="34" charset="-120"/>
+                <a:ea typeface="Microsoft JhengHei" panose="020B0604030504040204" pitchFamily="34" charset="-120"/>
+                <a:cs typeface="+mj-cs"/>
+              </a:rPr>
+              <a:t>用心</a:t>
+            </a:r>
+            <a:r>
+              <a:rPr lang="zh-CN" altLang="en-US" sz="5400" b="1" smtClean="0">
+                <a:solidFill>
+                  <a:srgbClr val="C00000"/>
+                </a:solidFill>
+                <a:latin typeface="Microsoft JhengHei" panose="020B0604030504040204" pitchFamily="34" charset="-120"/>
+                <a:ea typeface="Microsoft JhengHei" panose="020B0604030504040204" pitchFamily="34" charset="-120"/>
+                <a:cs typeface="+mj-cs"/>
+              </a:rPr>
+              <a:t>聽主教導</a:t>
             </a:r>
             <a:endParaRPr lang="en-US" altLang="zh-CN" sz="5400" b="1" dirty="0">
               <a:solidFill>
@@ -3669,13 +4066,789 @@
     </p:spTree>
     <p:extLst>
       <p:ext uri="{BB962C8B-B14F-4D97-AF65-F5344CB8AC3E}">
-        <p14:creationId xmlns:p14="http://schemas.microsoft.com/office/powerpoint/2010/main" val="1724713357"/>
+        <p14:creationId xmlns:p14="http://schemas.microsoft.com/office/powerpoint/2010/main" xmlns="" val="1724713357"/>
       </p:ext>
     </p:extLst>
   </p:cSld>
   <p:clrMapOvr>
     <a:masterClrMapping/>
   </p:clrMapOvr>
+</p:sld>
+</file>
+
+<file path=ppt/slides/slide6.xml><?xml version="1.0" encoding="utf-8"?>
+<p:sld xmlns:a="http://schemas.openxmlformats.org/drawingml/2006/main" xmlns:r="http://schemas.openxmlformats.org/officeDocument/2006/relationships" xmlns:p="http://schemas.openxmlformats.org/presentationml/2006/main">
+  <p:cSld>
+    <p:spTree>
+      <p:nvGrpSpPr>
+        <p:cNvPr id="1" name=""/>
+        <p:cNvGrpSpPr/>
+        <p:nvPr/>
+      </p:nvGrpSpPr>
+      <p:grpSpPr>
+        <a:xfrm>
+          <a:off x="0" y="0"/>
+          <a:ext cx="0" cy="0"/>
+          <a:chOff x="0" y="0"/>
+          <a:chExt cx="0" cy="0"/>
+        </a:xfrm>
+      </p:grpSpPr>
+      <p:sp>
+        <p:nvSpPr>
+          <p:cNvPr id="43010" name="矩形 1"/>
+          <p:cNvSpPr>
+            <a:spLocks noChangeArrowheads="1"/>
+          </p:cNvSpPr>
+          <p:nvPr/>
+        </p:nvSpPr>
+        <p:spPr bwMode="auto">
+          <a:xfrm>
+            <a:off x="143339" y="1508787"/>
+            <a:ext cx="12042893" cy="4062647"/>
+          </a:xfrm>
+          <a:prstGeom prst="rect">
+            <a:avLst/>
+          </a:prstGeom>
+          <a:noFill/>
+          <a:ln w="9525">
+            <a:noFill/>
+            <a:miter lim="800000"/>
+            <a:headEnd/>
+            <a:tailEnd/>
+          </a:ln>
+        </p:spPr>
+        <p:txBody>
+          <a:bodyPr wrap="square" lIns="121917" tIns="60958" rIns="121917" bIns="60958">
+            <a:spAutoFit/>
+          </a:bodyPr>
+          <a:lstStyle/>
+          <a:p>
+            <a:pPr algn="ctr"/>
+            <a:r>
+              <a:rPr lang="zh-TW" altLang="zh-TW" sz="6400" b="1" dirty="0" smtClean="0">
+                <a:solidFill>
+                  <a:srgbClr val="FF0000"/>
+                </a:solidFill>
+                <a:latin typeface="標楷體" pitchFamily="65" charset="-120"/>
+                <a:ea typeface="標楷體" pitchFamily="65" charset="-120"/>
+              </a:rPr>
+              <a:t>主日學</a:t>
+            </a:r>
+            <a:r>
+              <a:rPr lang="en-US" altLang="zh-TW" sz="6400" b="1" dirty="0" smtClean="0">
+                <a:solidFill>
+                  <a:srgbClr val="FF0000"/>
+                </a:solidFill>
+                <a:latin typeface="標楷體" pitchFamily="65" charset="-120"/>
+                <a:ea typeface="標楷體" pitchFamily="65" charset="-120"/>
+              </a:rPr>
+              <a:t> </a:t>
+            </a:r>
+            <a:r>
+              <a:rPr lang="zh-TW" altLang="zh-TW" sz="6400" b="1" dirty="0" smtClean="0">
+                <a:solidFill>
+                  <a:srgbClr val="FF0000"/>
+                </a:solidFill>
+                <a:latin typeface="標楷體" pitchFamily="65" charset="-120"/>
+                <a:ea typeface="標楷體" pitchFamily="65" charset="-120"/>
+              </a:rPr>
+              <a:t>主日學</a:t>
+            </a:r>
+            <a:r>
+              <a:rPr lang="zh-TW" altLang="en-US" sz="6400" b="1" dirty="0">
+                <a:solidFill>
+                  <a:srgbClr val="FF0000"/>
+                </a:solidFill>
+                <a:latin typeface="標楷體" pitchFamily="65" charset="-120"/>
+                <a:ea typeface="標楷體" pitchFamily="65" charset="-120"/>
+              </a:rPr>
+              <a:t> </a:t>
+            </a:r>
+            <a:r>
+              <a:rPr lang="zh-TW" altLang="zh-TW" sz="6400" b="1" dirty="0" smtClean="0">
+                <a:solidFill>
+                  <a:srgbClr val="FF0000"/>
+                </a:solidFill>
+                <a:latin typeface="標楷體" pitchFamily="65" charset="-120"/>
+                <a:ea typeface="標楷體" pitchFamily="65" charset="-120"/>
+              </a:rPr>
+              <a:t>將</a:t>
+            </a:r>
+            <a:r>
+              <a:rPr lang="zh-TW" altLang="zh-TW" sz="6400" b="1" dirty="0">
+                <a:solidFill>
+                  <a:srgbClr val="FF0000"/>
+                </a:solidFill>
+                <a:latin typeface="標楷體" pitchFamily="65" charset="-120"/>
+                <a:ea typeface="標楷體" pitchFamily="65" charset="-120"/>
+              </a:rPr>
+              <a:t>聖經教導</a:t>
+            </a:r>
+            <a:r>
+              <a:rPr lang="zh-TW" altLang="zh-TW" sz="6400" b="1" dirty="0" smtClean="0">
+                <a:solidFill>
+                  <a:srgbClr val="FF0000"/>
+                </a:solidFill>
+                <a:latin typeface="標楷體" pitchFamily="65" charset="-120"/>
+                <a:ea typeface="標楷體" pitchFamily="65" charset="-120"/>
+              </a:rPr>
+              <a:t>人</a:t>
+            </a:r>
+            <a:r>
+              <a:rPr lang="en-US" altLang="zh-TW" sz="6400" b="1" dirty="0" smtClean="0">
+                <a:solidFill>
+                  <a:srgbClr val="FF0000"/>
+                </a:solidFill>
+                <a:latin typeface="標楷體" pitchFamily="65" charset="-120"/>
+                <a:ea typeface="標楷體" pitchFamily="65" charset="-120"/>
+              </a:rPr>
+              <a:t> </a:t>
+            </a:r>
+          </a:p>
+          <a:p>
+            <a:pPr algn="ctr"/>
+            <a:r>
+              <a:rPr lang="zh-TW" altLang="zh-TW" sz="6400" b="1" dirty="0" smtClean="0">
+                <a:solidFill>
+                  <a:srgbClr val="FF0000"/>
+                </a:solidFill>
+                <a:latin typeface="標楷體" pitchFamily="65" charset="-120"/>
+                <a:ea typeface="標楷體" pitchFamily="65" charset="-120"/>
+              </a:rPr>
+              <a:t>老年人</a:t>
+            </a:r>
+            <a:r>
+              <a:rPr lang="en-US" altLang="zh-TW" sz="6400" b="1" dirty="0" smtClean="0">
+                <a:solidFill>
+                  <a:srgbClr val="FF0000"/>
+                </a:solidFill>
+                <a:latin typeface="標楷體" pitchFamily="65" charset="-120"/>
+                <a:ea typeface="標楷體" pitchFamily="65" charset="-120"/>
+              </a:rPr>
+              <a:t> </a:t>
+            </a:r>
+            <a:r>
+              <a:rPr lang="zh-TW" altLang="zh-TW" sz="6400" b="1" dirty="0" smtClean="0">
+                <a:solidFill>
+                  <a:srgbClr val="FF0000"/>
+                </a:solidFill>
+                <a:latin typeface="標楷體" pitchFamily="65" charset="-120"/>
+                <a:ea typeface="標楷體" pitchFamily="65" charset="-120"/>
+              </a:rPr>
+              <a:t>少年人</a:t>
+            </a:r>
+            <a:r>
+              <a:rPr lang="en-US" altLang="zh-TW" sz="6400" b="1" dirty="0" smtClean="0">
+                <a:solidFill>
+                  <a:srgbClr val="FF0000"/>
+                </a:solidFill>
+                <a:latin typeface="標楷體" pitchFamily="65" charset="-120"/>
+                <a:ea typeface="標楷體" pitchFamily="65" charset="-120"/>
+              </a:rPr>
+              <a:t> </a:t>
+            </a:r>
+            <a:r>
+              <a:rPr lang="zh-TW" altLang="zh-TW" sz="6400" b="1" dirty="0" smtClean="0">
+                <a:solidFill>
+                  <a:srgbClr val="FF0000"/>
+                </a:solidFill>
+                <a:latin typeface="標楷體" pitchFamily="65" charset="-120"/>
+                <a:ea typeface="標楷體" pitchFamily="65" charset="-120"/>
+              </a:rPr>
+              <a:t>來</a:t>
+            </a:r>
+            <a:r>
+              <a:rPr lang="zh-TW" altLang="zh-TW" sz="6400" b="1" dirty="0">
+                <a:solidFill>
+                  <a:srgbClr val="FF0000"/>
+                </a:solidFill>
+                <a:latin typeface="標楷體" pitchFamily="65" charset="-120"/>
+                <a:ea typeface="標楷體" pitchFamily="65" charset="-120"/>
+              </a:rPr>
+              <a:t>與真理</a:t>
+            </a:r>
+            <a:r>
+              <a:rPr lang="zh-TW" altLang="zh-TW" sz="6400" b="1" dirty="0" smtClean="0">
+                <a:solidFill>
+                  <a:srgbClr val="FF0000"/>
+                </a:solidFill>
+                <a:latin typeface="標楷體" pitchFamily="65" charset="-120"/>
+                <a:ea typeface="標楷體" pitchFamily="65" charset="-120"/>
+              </a:rPr>
+              <a:t>親近</a:t>
+            </a:r>
+            <a:endParaRPr lang="en-US" altLang="zh-TW" sz="6400" b="1" dirty="0">
+              <a:solidFill>
+                <a:srgbClr val="FF0000"/>
+              </a:solidFill>
+              <a:latin typeface="標楷體" pitchFamily="65" charset="-120"/>
+              <a:ea typeface="標楷體" pitchFamily="65" charset="-120"/>
+            </a:endParaRPr>
+          </a:p>
+          <a:p>
+            <a:pPr algn="ctr"/>
+            <a:r>
+              <a:rPr lang="zh-TW" altLang="zh-TW" sz="6400" b="1" dirty="0" smtClean="0">
+                <a:solidFill>
+                  <a:srgbClr val="FF0000"/>
+                </a:solidFill>
+                <a:latin typeface="標楷體" pitchFamily="65" charset="-120"/>
+                <a:ea typeface="標楷體" pitchFamily="65" charset="-120"/>
+              </a:rPr>
+              <a:t>兄</a:t>
+            </a:r>
+            <a:r>
+              <a:rPr lang="zh-TW" altLang="zh-TW" sz="6400" b="1" dirty="0">
+                <a:solidFill>
+                  <a:srgbClr val="FF0000"/>
+                </a:solidFill>
+                <a:latin typeface="標楷體" pitchFamily="65" charset="-120"/>
+                <a:ea typeface="標楷體" pitchFamily="65" charset="-120"/>
+              </a:rPr>
+              <a:t>弟妹相關</a:t>
+            </a:r>
+            <a:r>
+              <a:rPr lang="zh-TW" altLang="zh-TW" sz="6400" b="1" dirty="0" smtClean="0">
+                <a:solidFill>
+                  <a:srgbClr val="FF0000"/>
+                </a:solidFill>
+                <a:latin typeface="標楷體" pitchFamily="65" charset="-120"/>
+                <a:ea typeface="標楷體" pitchFamily="65" charset="-120"/>
+              </a:rPr>
+              <a:t>心</a:t>
+            </a:r>
+            <a:r>
+              <a:rPr lang="en-US" altLang="zh-TW" sz="6400" b="1" dirty="0" smtClean="0">
+                <a:solidFill>
+                  <a:srgbClr val="FF0000"/>
+                </a:solidFill>
+                <a:latin typeface="標楷體" pitchFamily="65" charset="-120"/>
+                <a:ea typeface="標楷體" pitchFamily="65" charset="-120"/>
+              </a:rPr>
+              <a:t> </a:t>
+            </a:r>
+            <a:r>
+              <a:rPr lang="zh-TW" altLang="zh-TW" sz="6400" b="1" dirty="0" smtClean="0">
+                <a:solidFill>
+                  <a:srgbClr val="FF0000"/>
+                </a:solidFill>
+                <a:latin typeface="標楷體" pitchFamily="65" charset="-120"/>
+                <a:ea typeface="標楷體" pitchFamily="65" charset="-120"/>
+              </a:rPr>
+              <a:t>齊</a:t>
+            </a:r>
+            <a:r>
+              <a:rPr lang="zh-TW" altLang="zh-TW" sz="6400" b="1" dirty="0">
+                <a:solidFill>
+                  <a:srgbClr val="FF0000"/>
+                </a:solidFill>
+                <a:latin typeface="標楷體" pitchFamily="65" charset="-120"/>
+                <a:ea typeface="標楷體" pitchFamily="65" charset="-120"/>
+              </a:rPr>
+              <a:t>勉勵見</a:t>
+            </a:r>
+            <a:r>
+              <a:rPr lang="zh-TW" altLang="zh-TW" sz="6400" b="1" dirty="0" smtClean="0">
+                <a:solidFill>
+                  <a:srgbClr val="FF0000"/>
+                </a:solidFill>
+                <a:latin typeface="標楷體" pitchFamily="65" charset="-120"/>
+                <a:ea typeface="標楷體" pitchFamily="65" charset="-120"/>
+              </a:rPr>
+              <a:t>真心</a:t>
+            </a:r>
+            <a:endParaRPr lang="en-US" altLang="zh-TW" sz="6400" b="1" dirty="0" smtClean="0">
+              <a:solidFill>
+                <a:srgbClr val="FF0000"/>
+              </a:solidFill>
+              <a:latin typeface="標楷體" pitchFamily="65" charset="-120"/>
+              <a:ea typeface="標楷體" pitchFamily="65" charset="-120"/>
+            </a:endParaRPr>
+          </a:p>
+          <a:p>
+            <a:pPr algn="ctr"/>
+            <a:r>
+              <a:rPr lang="zh-TW" altLang="zh-TW" sz="6400" b="1" dirty="0" smtClean="0">
+                <a:solidFill>
+                  <a:srgbClr val="FF0000"/>
+                </a:solidFill>
+                <a:latin typeface="標楷體" pitchFamily="65" charset="-120"/>
+                <a:ea typeface="標楷體" pitchFamily="65" charset="-120"/>
+              </a:rPr>
+              <a:t>一起</a:t>
+            </a:r>
+            <a:r>
+              <a:rPr lang="zh-TW" altLang="zh-TW" sz="6400" b="1" dirty="0">
+                <a:solidFill>
+                  <a:srgbClr val="FF0000"/>
+                </a:solidFill>
+                <a:latin typeface="標楷體" pitchFamily="65" charset="-120"/>
+                <a:ea typeface="標楷體" pitchFamily="65" charset="-120"/>
+              </a:rPr>
+              <a:t>哼出歡樂</a:t>
+            </a:r>
+            <a:r>
+              <a:rPr lang="zh-TW" altLang="zh-TW" sz="6400" b="1" dirty="0" smtClean="0">
+                <a:solidFill>
+                  <a:srgbClr val="FF0000"/>
+                </a:solidFill>
+                <a:latin typeface="標楷體" pitchFamily="65" charset="-120"/>
+                <a:ea typeface="標楷體" pitchFamily="65" charset="-120"/>
+              </a:rPr>
+              <a:t>音韻</a:t>
+            </a:r>
+            <a:endParaRPr lang="zh-TW" altLang="en-US" sz="6400" b="1" dirty="0">
+              <a:solidFill>
+                <a:srgbClr val="FF0000"/>
+              </a:solidFill>
+              <a:latin typeface="標楷體" pitchFamily="65" charset="-120"/>
+              <a:ea typeface="標楷體" pitchFamily="65" charset="-120"/>
+            </a:endParaRPr>
+          </a:p>
+        </p:txBody>
+      </p:sp>
+      <p:sp>
+        <p:nvSpPr>
+          <p:cNvPr id="43011" name="矩形 2"/>
+          <p:cNvSpPr>
+            <a:spLocks noChangeArrowheads="1"/>
+          </p:cNvSpPr>
+          <p:nvPr/>
+        </p:nvSpPr>
+        <p:spPr bwMode="auto">
+          <a:xfrm>
+            <a:off x="-5768" y="164638"/>
+            <a:ext cx="12192000" cy="1025921"/>
+          </a:xfrm>
+          <a:prstGeom prst="rect">
+            <a:avLst/>
+          </a:prstGeom>
+          <a:noFill/>
+          <a:ln w="9525">
+            <a:noFill/>
+            <a:miter lim="800000"/>
+            <a:headEnd/>
+            <a:tailEnd/>
+          </a:ln>
+        </p:spPr>
+        <p:txBody>
+          <a:bodyPr wrap="square" lIns="121917" tIns="60958" rIns="121917" bIns="60958">
+            <a:spAutoFit/>
+          </a:bodyPr>
+          <a:lstStyle/>
+          <a:p>
+            <a:pPr algn="ctr"/>
+            <a:r>
+              <a:rPr lang="zh-TW" altLang="zh-TW" sz="5900" b="1" dirty="0" smtClean="0">
+                <a:solidFill>
+                  <a:srgbClr val="FF0000"/>
+                </a:solidFill>
+                <a:latin typeface="標楷體" pitchFamily="65" charset="-120"/>
+                <a:ea typeface="標楷體" pitchFamily="65" charset="-120"/>
+              </a:rPr>
+              <a:t>主日學</a:t>
+            </a:r>
+            <a:endParaRPr lang="zh-TW" altLang="en-US" sz="5900" b="1" dirty="0">
+              <a:solidFill>
+                <a:srgbClr val="FF0000"/>
+              </a:solidFill>
+              <a:latin typeface="標楷體" pitchFamily="65" charset="-120"/>
+              <a:ea typeface="標楷體" pitchFamily="65" charset="-120"/>
+            </a:endParaRPr>
+          </a:p>
+        </p:txBody>
+      </p:sp>
+    </p:spTree>
+  </p:cSld>
+  <p:clrMapOvr>
+    <a:masterClrMapping/>
+  </p:clrMapOvr>
+  <p:transition/>
+  <p:timing>
+    <p:tnLst>
+      <p:par>
+        <p:cTn id="1" dur="indefinite" restart="never" nodeType="tmRoot"/>
+      </p:par>
+    </p:tnLst>
+  </p:timing>
+</p:sld>
+</file>
+
+<file path=ppt/slides/slide7.xml><?xml version="1.0" encoding="utf-8"?>
+<p:sld xmlns:a="http://schemas.openxmlformats.org/drawingml/2006/main" xmlns:r="http://schemas.openxmlformats.org/officeDocument/2006/relationships" xmlns:p="http://schemas.openxmlformats.org/presentationml/2006/main">
+  <p:cSld>
+    <p:spTree>
+      <p:nvGrpSpPr>
+        <p:cNvPr id="1" name=""/>
+        <p:cNvGrpSpPr/>
+        <p:nvPr/>
+      </p:nvGrpSpPr>
+      <p:grpSpPr>
+        <a:xfrm>
+          <a:off x="0" y="0"/>
+          <a:ext cx="0" cy="0"/>
+          <a:chOff x="0" y="0"/>
+          <a:chExt cx="0" cy="0"/>
+        </a:xfrm>
+      </p:grpSpPr>
+      <p:sp>
+        <p:nvSpPr>
+          <p:cNvPr id="43010" name="矩形 1"/>
+          <p:cNvSpPr>
+            <a:spLocks noChangeArrowheads="1"/>
+          </p:cNvSpPr>
+          <p:nvPr/>
+        </p:nvSpPr>
+        <p:spPr bwMode="auto">
+          <a:xfrm>
+            <a:off x="0" y="1508787"/>
+            <a:ext cx="12186232" cy="3077762"/>
+          </a:xfrm>
+          <a:prstGeom prst="rect">
+            <a:avLst/>
+          </a:prstGeom>
+          <a:noFill/>
+          <a:ln w="9525">
+            <a:noFill/>
+            <a:miter lim="800000"/>
+            <a:headEnd/>
+            <a:tailEnd/>
+          </a:ln>
+        </p:spPr>
+        <p:txBody>
+          <a:bodyPr wrap="square" lIns="121917" tIns="60958" rIns="121917" bIns="60958">
+            <a:spAutoFit/>
+          </a:bodyPr>
+          <a:lstStyle/>
+          <a:p>
+            <a:pPr algn="ctr"/>
+            <a:r>
+              <a:rPr lang="zh-TW" altLang="en-US" sz="6400" b="1" dirty="0">
+                <a:solidFill>
+                  <a:srgbClr val="FF0000"/>
+                </a:solidFill>
+                <a:latin typeface="標楷體" pitchFamily="65" charset="-120"/>
+                <a:ea typeface="標楷體" pitchFamily="65" charset="-120"/>
+              </a:rPr>
+              <a:t>願</a:t>
+            </a:r>
+            <a:r>
+              <a:rPr lang="zh-TW" altLang="en-US" sz="6400" b="1" dirty="0" smtClean="0">
+                <a:solidFill>
+                  <a:srgbClr val="FF0000"/>
+                </a:solidFill>
+                <a:latin typeface="標楷體" pitchFamily="65" charset="-120"/>
+                <a:ea typeface="標楷體" pitchFamily="65" charset="-120"/>
+              </a:rPr>
+              <a:t>意 願意 願意 願</a:t>
+            </a:r>
+            <a:r>
+              <a:rPr lang="zh-TW" altLang="en-US" sz="6400" b="1" dirty="0">
+                <a:solidFill>
+                  <a:srgbClr val="FF0000"/>
+                </a:solidFill>
+                <a:latin typeface="標楷體" pitchFamily="65" charset="-120"/>
+                <a:ea typeface="標楷體" pitchFamily="65" charset="-120"/>
+              </a:rPr>
+              <a:t>意</a:t>
+            </a:r>
+          </a:p>
+          <a:p>
+            <a:pPr algn="ctr"/>
+            <a:r>
+              <a:rPr lang="zh-TW" altLang="en-US" sz="6400" b="1" dirty="0">
+                <a:solidFill>
+                  <a:srgbClr val="FF0000"/>
+                </a:solidFill>
+                <a:latin typeface="標楷體" pitchFamily="65" charset="-120"/>
+                <a:ea typeface="標楷體" pitchFamily="65" charset="-120"/>
+              </a:rPr>
+              <a:t>聽祂愛的教訓</a:t>
+            </a:r>
+          </a:p>
+          <a:p>
+            <a:pPr algn="ctr"/>
+            <a:r>
+              <a:rPr lang="zh-TW" altLang="en-US" sz="6400" b="1" dirty="0">
+                <a:solidFill>
+                  <a:srgbClr val="FF0000"/>
+                </a:solidFill>
+                <a:latin typeface="標楷體" pitchFamily="65" charset="-120"/>
+                <a:ea typeface="標楷體" pitchFamily="65" charset="-120"/>
+              </a:rPr>
+              <a:t>硏究聖經不了解最緊要去問</a:t>
+            </a:r>
+          </a:p>
+        </p:txBody>
+      </p:sp>
+      <p:sp>
+        <p:nvSpPr>
+          <p:cNvPr id="43011" name="矩形 2"/>
+          <p:cNvSpPr>
+            <a:spLocks noChangeArrowheads="1"/>
+          </p:cNvSpPr>
+          <p:nvPr/>
+        </p:nvSpPr>
+        <p:spPr bwMode="auto">
+          <a:xfrm>
+            <a:off x="-5768" y="164638"/>
+            <a:ext cx="12192000" cy="1025921"/>
+          </a:xfrm>
+          <a:prstGeom prst="rect">
+            <a:avLst/>
+          </a:prstGeom>
+          <a:noFill/>
+          <a:ln w="9525">
+            <a:noFill/>
+            <a:miter lim="800000"/>
+            <a:headEnd/>
+            <a:tailEnd/>
+          </a:ln>
+        </p:spPr>
+        <p:txBody>
+          <a:bodyPr wrap="square" lIns="121917" tIns="60958" rIns="121917" bIns="60958">
+            <a:spAutoFit/>
+          </a:bodyPr>
+          <a:lstStyle/>
+          <a:p>
+            <a:pPr algn="ctr"/>
+            <a:r>
+              <a:rPr lang="zh-TW" altLang="zh-TW" sz="5900" b="1" dirty="0" smtClean="0">
+                <a:solidFill>
+                  <a:srgbClr val="FF0000"/>
+                </a:solidFill>
+                <a:latin typeface="標楷體" pitchFamily="65" charset="-120"/>
+                <a:ea typeface="標楷體" pitchFamily="65" charset="-120"/>
+              </a:rPr>
+              <a:t>主日學</a:t>
+            </a:r>
+            <a:endParaRPr lang="zh-TW" altLang="en-US" sz="5900" b="1" dirty="0">
+              <a:solidFill>
+                <a:srgbClr val="FF0000"/>
+              </a:solidFill>
+              <a:latin typeface="標楷體" pitchFamily="65" charset="-120"/>
+              <a:ea typeface="標楷體" pitchFamily="65" charset="-120"/>
+            </a:endParaRPr>
+          </a:p>
+        </p:txBody>
+      </p:sp>
+    </p:spTree>
+    <p:extLst>
+      <p:ext uri="{BB962C8B-B14F-4D97-AF65-F5344CB8AC3E}">
+        <p14:creationId xmlns="" xmlns:p14="http://schemas.microsoft.com/office/powerpoint/2010/main" val="2696121007"/>
+      </p:ext>
+    </p:extLst>
+  </p:cSld>
+  <p:clrMapOvr>
+    <a:masterClrMapping/>
+  </p:clrMapOvr>
+  <p:transition/>
+  <p:timing>
+    <p:tnLst>
+      <p:par>
+        <p:cTn id="1" dur="indefinite" restart="never" nodeType="tmRoot"/>
+      </p:par>
+    </p:tnLst>
+  </p:timing>
+</p:sld>
+</file>
+
+<file path=ppt/slides/slide8.xml><?xml version="1.0" encoding="utf-8"?>
+<p:sld xmlns:a="http://schemas.openxmlformats.org/drawingml/2006/main" xmlns:r="http://schemas.openxmlformats.org/officeDocument/2006/relationships" xmlns:p="http://schemas.openxmlformats.org/presentationml/2006/main">
+  <p:cSld>
+    <p:spTree>
+      <p:nvGrpSpPr>
+        <p:cNvPr id="1" name=""/>
+        <p:cNvGrpSpPr/>
+        <p:nvPr/>
+      </p:nvGrpSpPr>
+      <p:grpSpPr>
+        <a:xfrm>
+          <a:off x="0" y="0"/>
+          <a:ext cx="0" cy="0"/>
+          <a:chOff x="0" y="0"/>
+          <a:chExt cx="0" cy="0"/>
+        </a:xfrm>
+      </p:grpSpPr>
+      <p:sp>
+        <p:nvSpPr>
+          <p:cNvPr id="43010" name="矩形 1"/>
+          <p:cNvSpPr>
+            <a:spLocks noChangeArrowheads="1"/>
+          </p:cNvSpPr>
+          <p:nvPr/>
+        </p:nvSpPr>
+        <p:spPr bwMode="auto">
+          <a:xfrm>
+            <a:off x="-5768" y="1508787"/>
+            <a:ext cx="12192000" cy="3077762"/>
+          </a:xfrm>
+          <a:prstGeom prst="rect">
+            <a:avLst/>
+          </a:prstGeom>
+          <a:noFill/>
+          <a:ln w="9525">
+            <a:noFill/>
+            <a:miter lim="800000"/>
+            <a:headEnd/>
+            <a:tailEnd/>
+          </a:ln>
+        </p:spPr>
+        <p:txBody>
+          <a:bodyPr wrap="square" lIns="121917" tIns="60958" rIns="121917" bIns="60958">
+            <a:spAutoFit/>
+          </a:bodyPr>
+          <a:lstStyle/>
+          <a:p>
+            <a:pPr algn="ctr"/>
+            <a:r>
+              <a:rPr lang="zh-TW" altLang="en-US" sz="6400" b="1" dirty="0">
+                <a:solidFill>
+                  <a:srgbClr val="FF0000"/>
+                </a:solidFill>
+                <a:latin typeface="標楷體" pitchFamily="65" charset="-120"/>
+                <a:ea typeface="標楷體" pitchFamily="65" charset="-120"/>
+              </a:rPr>
+              <a:t>做</a:t>
+            </a:r>
+            <a:r>
+              <a:rPr lang="zh-TW" altLang="en-US" sz="6400" b="1" dirty="0" smtClean="0">
+                <a:solidFill>
+                  <a:srgbClr val="FF0000"/>
+                </a:solidFill>
+                <a:latin typeface="標楷體" pitchFamily="65" charset="-120"/>
+                <a:ea typeface="標楷體" pitchFamily="65" charset="-120"/>
+              </a:rPr>
+              <a:t>個 做個 做個 做</a:t>
+            </a:r>
+            <a:r>
+              <a:rPr lang="zh-TW" altLang="en-US" sz="6400" b="1" dirty="0">
+                <a:solidFill>
+                  <a:srgbClr val="FF0000"/>
+                </a:solidFill>
+                <a:latin typeface="標楷體" pitchFamily="65" charset="-120"/>
+                <a:ea typeface="標楷體" pitchFamily="65" charset="-120"/>
+              </a:rPr>
+              <a:t>個好學生</a:t>
+            </a:r>
+          </a:p>
+          <a:p>
+            <a:pPr algn="ctr"/>
+            <a:r>
+              <a:rPr lang="zh-TW" altLang="en-US" sz="6400" b="1" dirty="0">
+                <a:solidFill>
+                  <a:srgbClr val="FF0000"/>
+                </a:solidFill>
+                <a:latin typeface="標楷體" pitchFamily="65" charset="-120"/>
+                <a:ea typeface="標楷體" pitchFamily="65" charset="-120"/>
+              </a:rPr>
+              <a:t>遵主旨意作快樂人</a:t>
+            </a:r>
+          </a:p>
+          <a:p>
+            <a:pPr algn="ctr"/>
+            <a:r>
+              <a:rPr lang="zh-TW" altLang="en-US" sz="6400" b="1" dirty="0">
+                <a:solidFill>
+                  <a:srgbClr val="FF0000"/>
+                </a:solidFill>
+                <a:latin typeface="標楷體" pitchFamily="65" charset="-120"/>
+                <a:ea typeface="標楷體" pitchFamily="65" charset="-120"/>
+              </a:rPr>
+              <a:t>完全奉獻 </a:t>
+            </a:r>
+            <a:r>
+              <a:rPr lang="zh-TW" altLang="en-US" sz="6400" b="1" dirty="0" smtClean="0">
+                <a:solidFill>
+                  <a:srgbClr val="FF0000"/>
+                </a:solidFill>
+                <a:latin typeface="標楷體" pitchFamily="65" charset="-120"/>
+                <a:ea typeface="標楷體" pitchFamily="65" charset="-120"/>
+              </a:rPr>
+              <a:t>步</a:t>
+            </a:r>
+            <a:r>
+              <a:rPr lang="zh-TW" altLang="en-US" sz="6400" b="1" dirty="0">
+                <a:solidFill>
+                  <a:srgbClr val="FF0000"/>
+                </a:solidFill>
+                <a:latin typeface="標楷體" pitchFamily="65" charset="-120"/>
+                <a:ea typeface="標楷體" pitchFamily="65" charset="-120"/>
+              </a:rPr>
+              <a:t>向永生</a:t>
+            </a:r>
+          </a:p>
+        </p:txBody>
+      </p:sp>
+      <p:sp>
+        <p:nvSpPr>
+          <p:cNvPr id="43011" name="矩形 2"/>
+          <p:cNvSpPr>
+            <a:spLocks noChangeArrowheads="1"/>
+          </p:cNvSpPr>
+          <p:nvPr/>
+        </p:nvSpPr>
+        <p:spPr bwMode="auto">
+          <a:xfrm>
+            <a:off x="-5768" y="164638"/>
+            <a:ext cx="12192000" cy="1025921"/>
+          </a:xfrm>
+          <a:prstGeom prst="rect">
+            <a:avLst/>
+          </a:prstGeom>
+          <a:noFill/>
+          <a:ln w="9525">
+            <a:noFill/>
+            <a:miter lim="800000"/>
+            <a:headEnd/>
+            <a:tailEnd/>
+          </a:ln>
+        </p:spPr>
+        <p:txBody>
+          <a:bodyPr wrap="square" lIns="121917" tIns="60958" rIns="121917" bIns="60958">
+            <a:spAutoFit/>
+          </a:bodyPr>
+          <a:lstStyle/>
+          <a:p>
+            <a:pPr algn="ctr"/>
+            <a:r>
+              <a:rPr lang="zh-TW" altLang="zh-TW" sz="5900" b="1" dirty="0" smtClean="0">
+                <a:solidFill>
+                  <a:srgbClr val="FF0000"/>
+                </a:solidFill>
+                <a:latin typeface="標楷體" pitchFamily="65" charset="-120"/>
+                <a:ea typeface="標楷體" pitchFamily="65" charset="-120"/>
+              </a:rPr>
+              <a:t>主日學</a:t>
+            </a:r>
+            <a:endParaRPr lang="zh-TW" altLang="en-US" sz="5900" b="1" dirty="0">
+              <a:solidFill>
+                <a:srgbClr val="FF0000"/>
+              </a:solidFill>
+              <a:latin typeface="標楷體" pitchFamily="65" charset="-120"/>
+              <a:ea typeface="標楷體" pitchFamily="65" charset="-120"/>
+            </a:endParaRPr>
+          </a:p>
+        </p:txBody>
+      </p:sp>
+    </p:spTree>
+    <p:extLst>
+      <p:ext uri="{BB962C8B-B14F-4D97-AF65-F5344CB8AC3E}">
+        <p14:creationId xmlns="" xmlns:p14="http://schemas.microsoft.com/office/powerpoint/2010/main" val="638720006"/>
+      </p:ext>
+    </p:extLst>
+  </p:cSld>
+  <p:clrMapOvr>
+    <a:masterClrMapping/>
+  </p:clrMapOvr>
+  <p:transition/>
+  <p:timing>
+    <p:tnLst>
+      <p:par>
+        <p:cTn id="1" dur="indefinite" restart="never" nodeType="tmRoot"/>
+      </p:par>
+    </p:tnLst>
+  </p:timing>
 </p:sld>
 </file>
 
@@ -3961,7 +5134,7 @@
   <a:extraClrSchemeLst/>
   <a:extLst>
     <a:ext uri="{05A4C25C-085E-4340-85A3-A5531E510DB2}">
-      <thm15:themeFamily xmlns:thm15="http://schemas.microsoft.com/office/thememl/2012/main" name="Theme1" id="{AFC7C034-021A-479F-A5B0-F4AE2AC2A6F8}" vid="{E4B01A5C-7C0B-4AB8-8973-047186F18E30}"/>
+      <thm15:themeFamily xmlns:thm15="http://schemas.microsoft.com/office/thememl/2012/main" xmlns="" name="Theme1" id="{AFC7C034-021A-479F-A5B0-F4AE2AC2A6F8}" vid="{E4B01A5C-7C0B-4AB8-8973-047186F18E30}"/>
     </a:ext>
   </a:extLst>
 </a:theme>
